--- a/003_React/lesson_23/Presentation/module_bundlers.pptx
+++ b/003_React/lesson_23/Presentation/module_bundlers.pptx
@@ -619,7 +619,7 @@
     </p:spTree>
     <p:extLst>
       <p:ext uri="{BB962C8B-B14F-4D97-AF65-F5344CB8AC3E}">
-        <p14:creationId xmlns="" xmlns:p14="http://schemas.microsoft.com/office/powerpoint/2010/main" val="3537187278"/>
+        <p14:creationId xmlns:p14="http://schemas.microsoft.com/office/powerpoint/2010/main" xmlns="" val="3537187278"/>
       </p:ext>
     </p:extLst>
   </p:cSld>
@@ -665,7 +665,7 @@
           <a:blip r:embed="rId2" cstate="print">
             <a:extLst>
               <a:ext uri="{28A0092B-C50C-407E-A947-70E740481C1C}">
-                <a14:useLocalDpi xmlns="" xmlns:a14="http://schemas.microsoft.com/office/drawing/2010/main" val="0"/>
+                <a14:useLocalDpi xmlns:a14="http://schemas.microsoft.com/office/drawing/2010/main" xmlns="" val="0"/>
               </a:ext>
             </a:extLst>
           </a:blip>
@@ -689,14 +689,14 @@
           <a:effectLst/>
           <a:extLst>
             <a:ext uri="{909E8E84-426E-40DD-AFC4-6F175D3DCCD1}">
-              <a14:hiddenFill xmlns="" xmlns:a14="http://schemas.microsoft.com/office/drawing/2010/main">
+              <a14:hiddenFill xmlns:a14="http://schemas.microsoft.com/office/drawing/2010/main" xmlns="">
                 <a:solidFill>
                   <a:schemeClr val="accent1"/>
                 </a:solidFill>
               </a14:hiddenFill>
             </a:ext>
             <a:ext uri="{91240B29-F687-4F45-9708-019B960494DF}">
-              <a14:hiddenLine xmlns="" xmlns:a14="http://schemas.microsoft.com/office/drawing/2010/main" w="9525">
+              <a14:hiddenLine xmlns:a14="http://schemas.microsoft.com/office/drawing/2010/main" xmlns="" w="9525">
                 <a:solidFill>
                   <a:schemeClr val="tx1"/>
                 </a:solidFill>
@@ -706,7 +706,7 @@
               </a14:hiddenLine>
             </a:ext>
             <a:ext uri="{AF507438-7753-43E0-B8FC-AC1667EBCBE1}">
-              <a14:hiddenEffects xmlns="" xmlns:a14="http://schemas.microsoft.com/office/drawing/2010/main">
+              <a14:hiddenEffects xmlns:a14="http://schemas.microsoft.com/office/drawing/2010/main" xmlns="">
                 <a:effectLst>
                   <a:outerShdw dist="35921" dir="2700000" algn="ctr" rotWithShape="0">
                     <a:schemeClr val="bg2"/>
@@ -847,7 +847,7 @@
     </p:spTree>
     <p:extLst>
       <p:ext uri="{BB962C8B-B14F-4D97-AF65-F5344CB8AC3E}">
-        <p14:creationId xmlns="" xmlns:p14="http://schemas.microsoft.com/office/powerpoint/2010/main" val="2097366919"/>
+        <p14:creationId xmlns:p14="http://schemas.microsoft.com/office/powerpoint/2010/main" xmlns="" val="2097366919"/>
       </p:ext>
     </p:extLst>
   </p:cSld>
@@ -1369,7 +1369,7 @@
     </p:spTree>
     <p:extLst>
       <p:ext uri="{BB962C8B-B14F-4D97-AF65-F5344CB8AC3E}">
-        <p14:creationId xmlns="" xmlns:p14="http://schemas.microsoft.com/office/powerpoint/2010/main" val="3537187278"/>
+        <p14:creationId xmlns:p14="http://schemas.microsoft.com/office/powerpoint/2010/main" xmlns="" val="3537187278"/>
       </p:ext>
     </p:extLst>
   </p:cSld>
@@ -1437,7 +1437,7 @@
     </p:spTree>
     <p:extLst>
       <p:ext uri="{BB962C8B-B14F-4D97-AF65-F5344CB8AC3E}">
-        <p14:creationId xmlns="" xmlns:p14="http://schemas.microsoft.com/office/powerpoint/2010/main" val="779007194"/>
+        <p14:creationId xmlns:p14="http://schemas.microsoft.com/office/powerpoint/2010/main" xmlns="" val="779007194"/>
       </p:ext>
     </p:extLst>
   </p:cSld>
@@ -1801,18 +1801,7 @@
                 <a:ea typeface="Roboto Thin" panose="02000000000000000000" pitchFamily="2" charset="0"/>
                 <a:cs typeface="Roboto Thin" panose="02000000000000000000" pitchFamily="2" charset="0"/>
               </a:rPr>
-              <a:t>React </a:t>
-            </a:r>
-            <a:r>
-              <a:rPr lang="en-US" sz="2700" dirty="0" smtClean="0">
-                <a:solidFill>
-                  <a:schemeClr val="bg1"/>
-                </a:solidFill>
-                <a:latin typeface="Roboto Thin" panose="02000000000000000000" pitchFamily="2" charset="0"/>
-                <a:ea typeface="Roboto Thin" panose="02000000000000000000" pitchFamily="2" charset="0"/>
-                <a:cs typeface="Roboto Thin" panose="02000000000000000000" pitchFamily="2" charset="0"/>
-              </a:rPr>
-              <a:t>JS</a:t>
+              <a:t>React JS</a:t>
             </a:r>
             <a:endParaRPr lang="en-US" dirty="0">
               <a:solidFill>
@@ -2031,7 +2020,7 @@
           <a:blip r:embed="rId2" cstate="print">
             <a:extLst>
               <a:ext uri="{28A0092B-C50C-407E-A947-70E740481C1C}">
-                <a14:useLocalDpi xmlns="" xmlns:a14="http://schemas.microsoft.com/office/drawing/2010/main" val="0"/>
+                <a14:useLocalDpi xmlns:a14="http://schemas.microsoft.com/office/drawing/2010/main" xmlns="" val="0"/>
               </a:ext>
             </a:extLst>
           </a:blip>
@@ -2051,7 +2040,7 @@
           <a:noFill/>
           <a:extLst>
             <a:ext uri="{909E8E84-426E-40DD-AFC4-6F175D3DCCD1}">
-              <a14:hiddenFill xmlns="" xmlns:a14="http://schemas.microsoft.com/office/drawing/2010/main">
+              <a14:hiddenFill xmlns:a14="http://schemas.microsoft.com/office/drawing/2010/main" xmlns="">
                 <a:solidFill>
                   <a:srgbClr val="FFFFFF"/>
                 </a:solidFill>
@@ -2137,7 +2126,7 @@
     </p:spTree>
     <p:extLst>
       <p:ext uri="{BB962C8B-B14F-4D97-AF65-F5344CB8AC3E}">
-        <p14:creationId xmlns="" xmlns:p14="http://schemas.microsoft.com/office/powerpoint/2010/main" val="3436223543"/>
+        <p14:creationId xmlns:p14="http://schemas.microsoft.com/office/powerpoint/2010/main" xmlns="" val="3436223543"/>
       </p:ext>
     </p:extLst>
   </p:cSld>
@@ -3353,8 +3342,8 @@
         </p:nvSpPr>
         <p:spPr>
           <a:xfrm>
-            <a:off x="611560" y="1988840"/>
-            <a:ext cx="7272808" cy="3754874"/>
+            <a:off x="899592" y="2276872"/>
+            <a:ext cx="7272808" cy="3416320"/>
           </a:xfrm>
           <a:prstGeom prst="rect">
             <a:avLst/>
@@ -3368,128 +3357,128 @@
           <a:lstStyle/>
           <a:p>
             <a:r>
-              <a:rPr lang="ru-RU" sz="2000" dirty="0" err="1">
+              <a:rPr lang="ru-RU" dirty="0" err="1">
                 <a:latin typeface="Calibri" pitchFamily="34" charset="0"/>
               </a:rPr>
               <a:t>Browserify</a:t>
             </a:r>
             <a:r>
-              <a:rPr lang="ru-RU" sz="2000" dirty="0">
+              <a:rPr lang="ru-RU" dirty="0">
                 <a:latin typeface="Calibri" pitchFamily="34" charset="0"/>
               </a:rPr>
               <a:t> стремится провести экосистему </a:t>
             </a:r>
             <a:r>
-              <a:rPr lang="ru-RU" sz="2000" dirty="0" err="1">
+              <a:rPr lang="ru-RU" dirty="0" err="1">
                 <a:latin typeface="Calibri" pitchFamily="34" charset="0"/>
               </a:rPr>
               <a:t>Node</a:t>
             </a:r>
             <a:r>
-              <a:rPr lang="ru-RU" sz="2000" dirty="0">
+              <a:rPr lang="ru-RU" dirty="0">
                 <a:latin typeface="Calibri" pitchFamily="34" charset="0"/>
               </a:rPr>
               <a:t> в браузер. Он поддерживает только синтаксис </a:t>
             </a:r>
             <a:r>
-              <a:rPr lang="ru-RU" sz="2000" dirty="0" err="1">
+              <a:rPr lang="ru-RU" dirty="0" err="1">
                 <a:latin typeface="Calibri" pitchFamily="34" charset="0"/>
               </a:rPr>
               <a:t>CommonJS</a:t>
             </a:r>
             <a:r>
-              <a:rPr lang="ru-RU" sz="2000" dirty="0">
+              <a:rPr lang="ru-RU" dirty="0">
                 <a:latin typeface="Calibri" pitchFamily="34" charset="0"/>
               </a:rPr>
               <a:t> </a:t>
             </a:r>
             <a:r>
-              <a:rPr lang="ru-RU" sz="2000" dirty="0" err="1">
+              <a:rPr lang="ru-RU" dirty="0" err="1">
                 <a:latin typeface="Calibri" pitchFamily="34" charset="0"/>
               </a:rPr>
               <a:t>require</a:t>
             </a:r>
             <a:r>
-              <a:rPr lang="ru-RU" sz="2000" dirty="0">
+              <a:rPr lang="ru-RU" dirty="0">
                 <a:latin typeface="Calibri" pitchFamily="34" charset="0"/>
               </a:rPr>
               <a:t> и предоставляет </a:t>
             </a:r>
             <a:r>
-              <a:rPr lang="ru-RU" sz="2000" dirty="0" err="1">
+              <a:rPr lang="ru-RU" dirty="0" err="1">
                 <a:latin typeface="Calibri" pitchFamily="34" charset="0"/>
               </a:rPr>
               <a:t>браузерные</a:t>
             </a:r>
             <a:r>
-              <a:rPr lang="ru-RU" sz="2000" dirty="0">
+              <a:rPr lang="ru-RU" dirty="0">
                 <a:latin typeface="Calibri" pitchFamily="34" charset="0"/>
               </a:rPr>
               <a:t> </a:t>
             </a:r>
             <a:r>
-              <a:rPr lang="ru-RU" sz="2000" dirty="0" err="1" smtClean="0">
+              <a:rPr lang="ru-RU" dirty="0" err="1" smtClean="0">
                 <a:latin typeface="Calibri" pitchFamily="34" charset="0"/>
               </a:rPr>
               <a:t>шимы</a:t>
             </a:r>
             <a:r>
-              <a:rPr lang="ru-RU" sz="2000" dirty="0" smtClean="0">
+              <a:rPr lang="ru-RU" dirty="0" smtClean="0">
                 <a:latin typeface="Calibri" pitchFamily="34" charset="0"/>
               </a:rPr>
               <a:t> для</a:t>
             </a:r>
             <a:r>
-              <a:rPr lang="ru-RU" sz="2000" dirty="0">
+              <a:rPr lang="ru-RU" dirty="0">
                 <a:latin typeface="Calibri" pitchFamily="34" charset="0"/>
               </a:rPr>
               <a:t> большей части </a:t>
             </a:r>
             <a:r>
-              <a:rPr lang="ru-RU" sz="2000" dirty="0" smtClean="0">
+              <a:rPr lang="ru-RU" dirty="0" smtClean="0">
                 <a:latin typeface="Calibri" pitchFamily="34" charset="0"/>
               </a:rPr>
               <a:t>функциональности</a:t>
             </a:r>
             <a:r>
-              <a:rPr lang="ru-RU" sz="2000" dirty="0">
+              <a:rPr lang="ru-RU" dirty="0">
                 <a:latin typeface="Calibri" pitchFamily="34" charset="0"/>
               </a:rPr>
               <a:t> ядра </a:t>
             </a:r>
             <a:r>
-              <a:rPr lang="ru-RU" sz="2000" dirty="0" err="1">
+              <a:rPr lang="ru-RU" dirty="0" err="1">
                 <a:latin typeface="Calibri" pitchFamily="34" charset="0"/>
               </a:rPr>
               <a:t>Node</a:t>
             </a:r>
             <a:r>
-              <a:rPr lang="ru-RU" sz="2000" dirty="0" smtClean="0">
+              <a:rPr lang="ru-RU" dirty="0" smtClean="0">
                 <a:latin typeface="Calibri" pitchFamily="34" charset="0"/>
               </a:rPr>
               <a:t>. </a:t>
             </a:r>
           </a:p>
           <a:p>
-            <a:endParaRPr lang="ru-RU" sz="2000" dirty="0">
+            <a:endParaRPr lang="ru-RU" dirty="0">
               <a:latin typeface="Calibri" pitchFamily="34" charset="0"/>
             </a:endParaRPr>
           </a:p>
           <a:p>
             <a:r>
-              <a:rPr lang="ru-RU" sz="2000" dirty="0">
+              <a:rPr lang="ru-RU" dirty="0">
                 <a:latin typeface="Calibri" pitchFamily="34" charset="0"/>
               </a:rPr>
               <a:t>Возможности </a:t>
             </a:r>
             <a:r>
-              <a:rPr lang="ru-RU" sz="2000" dirty="0" err="1">
+              <a:rPr lang="ru-RU" dirty="0" err="1">
                 <a:latin typeface="Calibri" pitchFamily="34" charset="0"/>
               </a:rPr>
               <a:t>Browserify</a:t>
             </a:r>
             <a:r>
-              <a:rPr lang="ru-RU" sz="2000" dirty="0">
+              <a:rPr lang="ru-RU" dirty="0">
                 <a:latin typeface="Calibri" pitchFamily="34" charset="0"/>
               </a:rPr>
               <a:t> не ограничиваются конкатенацией кода зависимостей. Он также может трансформировать код.</a:t>
@@ -3497,107 +3486,73 @@
           </a:p>
           <a:p>
             <a:r>
-              <a:rPr lang="ru-RU" sz="2000" dirty="0">
+              <a:rPr lang="ru-RU" dirty="0">
                 <a:latin typeface="Calibri" pitchFamily="34" charset="0"/>
               </a:rPr>
               <a:t>“Трансформировать” может означать многое. Это может быть </a:t>
             </a:r>
             <a:r>
-              <a:rPr lang="ru-RU" sz="2000" dirty="0" smtClean="0">
+              <a:rPr lang="ru-RU" dirty="0" smtClean="0">
                 <a:latin typeface="Calibri" pitchFamily="34" charset="0"/>
               </a:rPr>
               <a:t>компиляция </a:t>
             </a:r>
             <a:r>
-              <a:rPr lang="ru-RU" sz="2000" dirty="0" err="1">
+              <a:rPr lang="ru-RU" dirty="0" err="1">
                 <a:latin typeface="Calibri" pitchFamily="34" charset="0"/>
               </a:rPr>
               <a:t>Coffeescript</a:t>
             </a:r>
             <a:r>
-              <a:rPr lang="ru-RU" sz="2000" dirty="0">
+              <a:rPr lang="ru-RU" dirty="0">
                 <a:latin typeface="Calibri" pitchFamily="34" charset="0"/>
               </a:rPr>
               <a:t> в </a:t>
             </a:r>
             <a:r>
-              <a:rPr lang="ru-RU" sz="2000" dirty="0" err="1">
+              <a:rPr lang="ru-RU" dirty="0" err="1">
                 <a:latin typeface="Calibri" pitchFamily="34" charset="0"/>
               </a:rPr>
               <a:t>Javascript</a:t>
             </a:r>
             <a:r>
-              <a:rPr lang="ru-RU" sz="2000" dirty="0">
+              <a:rPr lang="ru-RU" dirty="0">
                 <a:latin typeface="Calibri" pitchFamily="34" charset="0"/>
               </a:rPr>
               <a:t>, </a:t>
             </a:r>
             <a:r>
-              <a:rPr lang="ru-RU" sz="2000" dirty="0" err="1">
+              <a:rPr lang="ru-RU" dirty="0" err="1">
                 <a:latin typeface="Calibri" pitchFamily="34" charset="0"/>
               </a:rPr>
               <a:t>транспиляция</a:t>
             </a:r>
             <a:r>
-              <a:rPr lang="ru-RU" sz="2000" dirty="0">
+              <a:rPr lang="ru-RU" dirty="0">
                 <a:latin typeface="Calibri" pitchFamily="34" charset="0"/>
               </a:rPr>
               <a:t> ES2015 в ванильный </a:t>
             </a:r>
             <a:r>
-              <a:rPr lang="ru-RU" sz="2000" dirty="0" err="1" smtClean="0">
+              <a:rPr lang="ru-RU" dirty="0" err="1" smtClean="0">
                 <a:latin typeface="Calibri" pitchFamily="34" charset="0"/>
               </a:rPr>
               <a:t>Javascript</a:t>
             </a:r>
             <a:r>
-              <a:rPr lang="ru-RU" sz="2000" dirty="0">
-                <a:latin typeface="Calibri" pitchFamily="34" charset="0"/>
-              </a:rPr>
-              <a:t> или </a:t>
-            </a:r>
-            <a:r>
-              <a:rPr lang="ru-RU" sz="2000" dirty="0" smtClean="0">
-                <a:latin typeface="Calibri" pitchFamily="34" charset="0"/>
-              </a:rPr>
-              <a:t>даже замена </a:t>
-            </a:r>
-            <a:r>
-              <a:rPr lang="ru-RU" sz="2000" dirty="0">
-                <a:latin typeface="Calibri" pitchFamily="34" charset="0"/>
-              </a:rPr>
-              <a:t>объявлений </a:t>
-            </a:r>
-            <a:r>
-              <a:rPr lang="ru-RU" sz="2000" dirty="0" err="1">
-                <a:latin typeface="Calibri" pitchFamily="34" charset="0"/>
-              </a:rPr>
-              <a:t>const</a:t>
-            </a:r>
-            <a:r>
-              <a:rPr lang="ru-RU" sz="2000" dirty="0">
-                <a:latin typeface="Calibri" pitchFamily="34" charset="0"/>
-              </a:rPr>
-              <a:t> на </a:t>
-            </a:r>
-            <a:r>
-              <a:rPr lang="ru-RU" sz="2000" dirty="0" err="1" smtClean="0">
-                <a:latin typeface="Calibri" pitchFamily="34" charset="0"/>
-              </a:rPr>
-              <a:t>var</a:t>
-            </a:r>
-            <a:r>
-              <a:rPr lang="ru-RU" sz="2000" dirty="0" smtClean="0">
+              <a:rPr lang="ru-RU" dirty="0" smtClean="0">
                 <a:latin typeface="Calibri" pitchFamily="34" charset="0"/>
               </a:rPr>
               <a:t>. </a:t>
             </a:r>
-            <a:endParaRPr lang="ru-RU" sz="2000" dirty="0">
+          </a:p>
+          <a:p>
+            <a:endParaRPr lang="ru-RU" dirty="0">
               <a:latin typeface="Calibri" pitchFamily="34" charset="0"/>
             </a:endParaRPr>
           </a:p>
           <a:p>
-            <a:endParaRPr lang="ru-RU" sz="2000" dirty="0">
+            <a:endParaRPr lang="ru-RU" dirty="0">
               <a:latin typeface="Calibri" pitchFamily="34" charset="0"/>
             </a:endParaRPr>
           </a:p>
